--- a/User_Stories.pptx
+++ b/User_Stories.pptx
@@ -49,6 +49,7 @@
     <p:sldId id="298" r:id="rId43"/>
     <p:sldId id="299" r:id="rId44"/>
     <p:sldId id="300" r:id="rId45"/>
+    <p:sldId id="301" r:id="rId46"/>
   </p:sldIdLst>
   <p:sldSz cx="9906000" cy="6858000" type="A4"/>
   <p:notesSz cx="6858000" cy="9144000"/>
@@ -352,7 +353,7 @@
             <a:fld id="{1585DAA5-6BE2-467A-90B2-00E985D86198}" type="datetimeFigureOut">
               <a:rPr lang="en-AU" smtClean="0"/>
               <a:pPr/>
-              <a:t>22/8/17</a:t>
+              <a:t>23/10/2017</a:t>
             </a:fld>
             <a:endParaRPr lang="en-AU"/>
           </a:p>
@@ -519,7 +520,7 @@
             <a:fld id="{1585DAA5-6BE2-467A-90B2-00E985D86198}" type="datetimeFigureOut">
               <a:rPr lang="en-AU" smtClean="0"/>
               <a:pPr/>
-              <a:t>22/8/17</a:t>
+              <a:t>23/10/2017</a:t>
             </a:fld>
             <a:endParaRPr lang="en-AU"/>
           </a:p>
@@ -696,7 +697,7 @@
             <a:fld id="{1585DAA5-6BE2-467A-90B2-00E985D86198}" type="datetimeFigureOut">
               <a:rPr lang="en-AU" smtClean="0"/>
               <a:pPr/>
-              <a:t>22/8/17</a:t>
+              <a:t>23/10/2017</a:t>
             </a:fld>
             <a:endParaRPr lang="en-AU"/>
           </a:p>
@@ -863,7 +864,7 @@
             <a:fld id="{1585DAA5-6BE2-467A-90B2-00E985D86198}" type="datetimeFigureOut">
               <a:rPr lang="en-AU" smtClean="0"/>
               <a:pPr/>
-              <a:t>22/8/17</a:t>
+              <a:t>23/10/2017</a:t>
             </a:fld>
             <a:endParaRPr lang="en-AU"/>
           </a:p>
@@ -1106,7 +1107,7 @@
             <a:fld id="{1585DAA5-6BE2-467A-90B2-00E985D86198}" type="datetimeFigureOut">
               <a:rPr lang="en-AU" smtClean="0"/>
               <a:pPr/>
-              <a:t>22/8/17</a:t>
+              <a:t>23/10/2017</a:t>
             </a:fld>
             <a:endParaRPr lang="en-AU"/>
           </a:p>
@@ -1391,7 +1392,7 @@
             <a:fld id="{1585DAA5-6BE2-467A-90B2-00E985D86198}" type="datetimeFigureOut">
               <a:rPr lang="en-AU" smtClean="0"/>
               <a:pPr/>
-              <a:t>22/8/17</a:t>
+              <a:t>23/10/2017</a:t>
             </a:fld>
             <a:endParaRPr lang="en-AU"/>
           </a:p>
@@ -1810,7 +1811,7 @@
             <a:fld id="{1585DAA5-6BE2-467A-90B2-00E985D86198}" type="datetimeFigureOut">
               <a:rPr lang="en-AU" smtClean="0"/>
               <a:pPr/>
-              <a:t>22/8/17</a:t>
+              <a:t>23/10/2017</a:t>
             </a:fld>
             <a:endParaRPr lang="en-AU"/>
           </a:p>
@@ -1925,7 +1926,7 @@
             <a:fld id="{1585DAA5-6BE2-467A-90B2-00E985D86198}" type="datetimeFigureOut">
               <a:rPr lang="en-AU" smtClean="0"/>
               <a:pPr/>
-              <a:t>22/8/17</a:t>
+              <a:t>23/10/2017</a:t>
             </a:fld>
             <a:endParaRPr lang="en-AU"/>
           </a:p>
@@ -2017,7 +2018,7 @@
             <a:fld id="{1585DAA5-6BE2-467A-90B2-00E985D86198}" type="datetimeFigureOut">
               <a:rPr lang="en-AU" smtClean="0"/>
               <a:pPr/>
-              <a:t>22/8/17</a:t>
+              <a:t>23/10/2017</a:t>
             </a:fld>
             <a:endParaRPr lang="en-AU"/>
           </a:p>
@@ -2291,7 +2292,7 @@
             <a:fld id="{1585DAA5-6BE2-467A-90B2-00E985D86198}" type="datetimeFigureOut">
               <a:rPr lang="en-AU" smtClean="0"/>
               <a:pPr/>
-              <a:t>22/8/17</a:t>
+              <a:t>23/10/2017</a:t>
             </a:fld>
             <a:endParaRPr lang="en-AU"/>
           </a:p>
@@ -2541,7 +2542,7 @@
             <a:fld id="{1585DAA5-6BE2-467A-90B2-00E985D86198}" type="datetimeFigureOut">
               <a:rPr lang="en-AU" smtClean="0"/>
               <a:pPr/>
-              <a:t>22/8/17</a:t>
+              <a:t>23/10/2017</a:t>
             </a:fld>
             <a:endParaRPr lang="en-AU"/>
           </a:p>
@@ -2751,7 +2752,7 @@
             <a:fld id="{1585DAA5-6BE2-467A-90B2-00E985D86198}" type="datetimeFigureOut">
               <a:rPr lang="en-AU" smtClean="0"/>
               <a:pPr/>
-              <a:t>22/8/17</a:t>
+              <a:t>23/10/2017</a:t>
             </a:fld>
             <a:endParaRPr lang="en-AU"/>
           </a:p>
@@ -3684,8 +3685,13 @@
                   <a:schemeClr val="tx1"/>
                 </a:solidFill>
               </a:rPr>
-              <a:t>2</a:t>
-            </a:r>
+              <a:t>3</a:t>
+            </a:r>
+            <a:endParaRPr lang="en-AU" sz="2000" dirty="0">
+              <a:solidFill>
+                <a:schemeClr val="tx1"/>
+              </a:solidFill>
+            </a:endParaRPr>
           </a:p>
         </p:txBody>
       </p:sp>
@@ -7032,13 +7038,18 @@
           <a:p>
             <a:pPr algn="ctr"/>
             <a:r>
-              <a:rPr lang="en-AU" sz="2000" dirty="0">
-                <a:solidFill>
-                  <a:schemeClr val="tx1"/>
-                </a:solidFill>
-              </a:rPr>
-              <a:t>2</a:t>
-            </a:r>
+              <a:rPr lang="en-AU" sz="2000" dirty="0" smtClean="0">
+                <a:solidFill>
+                  <a:schemeClr val="tx1"/>
+                </a:solidFill>
+              </a:rPr>
+              <a:t>4</a:t>
+            </a:r>
+            <a:endParaRPr lang="en-AU" sz="2000" dirty="0">
+              <a:solidFill>
+                <a:schemeClr val="tx1"/>
+              </a:solidFill>
+            </a:endParaRPr>
           </a:p>
         </p:txBody>
       </p:sp>
@@ -7624,8 +7635,13 @@
                   <a:schemeClr val="tx1"/>
                 </a:solidFill>
               </a:rPr>
-              <a:t>1</a:t>
-            </a:r>
+              <a:t>3</a:t>
+            </a:r>
+            <a:endParaRPr lang="en-AU" sz="2000" dirty="0">
+              <a:solidFill>
+                <a:schemeClr val="tx1"/>
+              </a:solidFill>
+            </a:endParaRPr>
           </a:p>
         </p:txBody>
       </p:sp>
@@ -8786,8 +8802,13 @@
                   <a:schemeClr val="tx1"/>
                 </a:solidFill>
               </a:rPr>
-              <a:t>1</a:t>
-            </a:r>
+              <a:t>2</a:t>
+            </a:r>
+            <a:endParaRPr lang="en-AU" sz="2000" dirty="0">
+              <a:solidFill>
+                <a:schemeClr val="tx1"/>
+              </a:solidFill>
+            </a:endParaRPr>
           </a:p>
         </p:txBody>
       </p:sp>
@@ -11604,8 +11625,13 @@
                   <a:schemeClr val="tx1"/>
                 </a:solidFill>
               </a:rPr>
-              <a:t>2</a:t>
-            </a:r>
+              <a:t>3</a:t>
+            </a:r>
+            <a:endParaRPr lang="en-AU" sz="2000" dirty="0">
+              <a:solidFill>
+                <a:schemeClr val="tx1"/>
+              </a:solidFill>
+            </a:endParaRPr>
           </a:p>
         </p:txBody>
       </p:sp>
@@ -16310,8 +16336,13 @@
                   <a:schemeClr val="tx1"/>
                 </a:solidFill>
               </a:rPr>
-              <a:t>2</a:t>
-            </a:r>
+              <a:t>3</a:t>
+            </a:r>
+            <a:endParaRPr lang="en-AU" sz="2000" dirty="0">
+              <a:solidFill>
+                <a:schemeClr val="tx1"/>
+              </a:solidFill>
+            </a:endParaRPr>
           </a:p>
         </p:txBody>
       </p:sp>
@@ -17381,8 +17412,13 @@
                   <a:schemeClr val="tx1"/>
                 </a:solidFill>
               </a:rPr>
-              <a:t>2</a:t>
-            </a:r>
+              <a:t>4</a:t>
+            </a:r>
+            <a:endParaRPr lang="en-AU" sz="2000" dirty="0">
+              <a:solidFill>
+                <a:schemeClr val="tx1"/>
+              </a:solidFill>
+            </a:endParaRPr>
           </a:p>
         </p:txBody>
       </p:sp>
@@ -20044,8 +20080,13 @@
                   <a:schemeClr val="tx1"/>
                 </a:solidFill>
               </a:rPr>
-              <a:t>3</a:t>
-            </a:r>
+              <a:t>4</a:t>
+            </a:r>
+            <a:endParaRPr lang="en-AU" sz="2000" dirty="0">
+              <a:solidFill>
+                <a:schemeClr val="tx1"/>
+              </a:solidFill>
+            </a:endParaRPr>
           </a:p>
         </p:txBody>
       </p:sp>
@@ -25145,6 +25186,612 @@
 </p:sld>
 </file>
 
+<file path=ppt/slides/slide45.xml><?xml version="1.0" encoding="utf-8"?>
+<p:sld xmlns:a="http://schemas.openxmlformats.org/drawingml/2006/main" xmlns:r="http://schemas.openxmlformats.org/officeDocument/2006/relationships" xmlns:p="http://schemas.openxmlformats.org/presentationml/2006/main">
+  <p:cSld>
+    <p:spTree>
+      <p:nvGrpSpPr>
+        <p:cNvPr id="1" name=""/>
+        <p:cNvGrpSpPr/>
+        <p:nvPr/>
+      </p:nvGrpSpPr>
+      <p:grpSpPr>
+        <a:xfrm>
+          <a:off x="0" y="0"/>
+          <a:ext cx="0" cy="0"/>
+          <a:chOff x="0" y="0"/>
+          <a:chExt cx="0" cy="0"/>
+        </a:xfrm>
+      </p:grpSpPr>
+      <p:sp>
+        <p:nvSpPr>
+          <p:cNvPr id="4" name="Rectangle 3"/>
+          <p:cNvSpPr/>
+          <p:nvPr/>
+        </p:nvSpPr>
+        <p:spPr>
+          <a:xfrm>
+            <a:off x="39153" y="109410"/>
+            <a:ext cx="720000" cy="540000"/>
+          </a:xfrm>
+          <a:prstGeom prst="rect">
+            <a:avLst/>
+          </a:prstGeom>
+          <a:solidFill>
+            <a:schemeClr val="accent1">
+              <a:lumMod val="40000"/>
+              <a:lumOff val="60000"/>
+            </a:schemeClr>
+          </a:solidFill>
+          <a:ln>
+            <a:solidFill>
+              <a:schemeClr val="accent1">
+                <a:lumMod val="50000"/>
+              </a:schemeClr>
+            </a:solidFill>
+          </a:ln>
+        </p:spPr>
+        <p:style>
+          <a:lnRef idx="2">
+            <a:schemeClr val="accent1">
+              <a:shade val="50000"/>
+            </a:schemeClr>
+          </a:lnRef>
+          <a:fillRef idx="1">
+            <a:schemeClr val="accent1"/>
+          </a:fillRef>
+          <a:effectRef idx="0">
+            <a:schemeClr val="accent1"/>
+          </a:effectRef>
+          <a:fontRef idx="minor">
+            <a:schemeClr val="lt1"/>
+          </a:fontRef>
+        </p:style>
+        <p:txBody>
+          <a:bodyPr wrap="square" lIns="0" rIns="0" rtlCol="0" anchor="ctr"/>
+          <a:lstStyle/>
+          <a:p>
+            <a:pPr algn="ctr"/>
+            <a:r>
+              <a:rPr lang="en-AU" sz="2000" dirty="0">
+                <a:solidFill>
+                  <a:schemeClr val="tx1"/>
+                </a:solidFill>
+              </a:rPr>
+              <a:t>Story ID </a:t>
+            </a:r>
+            <a:r>
+              <a:rPr lang="en-AU" sz="2000" dirty="0" smtClean="0">
+                <a:solidFill>
+                  <a:schemeClr val="tx1"/>
+                </a:solidFill>
+              </a:rPr>
+              <a:t>44</a:t>
+            </a:r>
+            <a:endParaRPr lang="en-AU" sz="2000" dirty="0">
+              <a:solidFill>
+                <a:schemeClr val="tx1"/>
+              </a:solidFill>
+            </a:endParaRPr>
+          </a:p>
+        </p:txBody>
+      </p:sp>
+      <p:sp>
+        <p:nvSpPr>
+          <p:cNvPr id="6" name="Rectangle 5"/>
+          <p:cNvSpPr/>
+          <p:nvPr/>
+        </p:nvSpPr>
+        <p:spPr>
+          <a:xfrm>
+            <a:off x="831153" y="109410"/>
+            <a:ext cx="7380000" cy="540000"/>
+          </a:xfrm>
+          <a:prstGeom prst="rect">
+            <a:avLst/>
+          </a:prstGeom>
+          <a:ln>
+            <a:solidFill>
+              <a:schemeClr val="accent1">
+                <a:lumMod val="50000"/>
+              </a:schemeClr>
+            </a:solidFill>
+          </a:ln>
+        </p:spPr>
+        <p:style>
+          <a:lnRef idx="2">
+            <a:schemeClr val="accent1">
+              <a:shade val="50000"/>
+            </a:schemeClr>
+          </a:lnRef>
+          <a:fillRef idx="1">
+            <a:schemeClr val="accent1"/>
+          </a:fillRef>
+          <a:effectRef idx="0">
+            <a:schemeClr val="accent1"/>
+          </a:effectRef>
+          <a:fontRef idx="minor">
+            <a:schemeClr val="lt1"/>
+          </a:fontRef>
+        </p:style>
+        <p:txBody>
+          <a:bodyPr rtlCol="0" anchor="ctr"/>
+          <a:lstStyle/>
+          <a:p>
+            <a:pPr algn="ctr"/>
+            <a:r>
+              <a:rPr lang="en-AU" sz="2800" dirty="0" smtClean="0"/>
+              <a:t>Database Creation</a:t>
+            </a:r>
+            <a:endParaRPr lang="en-AU" sz="2800" dirty="0"/>
+          </a:p>
+        </p:txBody>
+      </p:sp>
+      <p:sp>
+        <p:nvSpPr>
+          <p:cNvPr id="7" name="Rectangle 6"/>
+          <p:cNvSpPr/>
+          <p:nvPr/>
+        </p:nvSpPr>
+        <p:spPr>
+          <a:xfrm>
+            <a:off x="0" y="846698"/>
+            <a:ext cx="9828000" cy="2340000"/>
+          </a:xfrm>
+          <a:prstGeom prst="rect">
+            <a:avLst/>
+          </a:prstGeom>
+          <a:solidFill>
+            <a:schemeClr val="tx2">
+              <a:lumMod val="20000"/>
+              <a:lumOff val="80000"/>
+            </a:schemeClr>
+          </a:solidFill>
+          <a:ln>
+            <a:solidFill>
+              <a:schemeClr val="accent1">
+                <a:lumMod val="50000"/>
+              </a:schemeClr>
+            </a:solidFill>
+          </a:ln>
+        </p:spPr>
+        <p:style>
+          <a:lnRef idx="2">
+            <a:schemeClr val="accent1">
+              <a:shade val="50000"/>
+            </a:schemeClr>
+          </a:lnRef>
+          <a:fillRef idx="1">
+            <a:schemeClr val="accent1"/>
+          </a:fillRef>
+          <a:effectRef idx="0">
+            <a:schemeClr val="accent1"/>
+          </a:effectRef>
+          <a:fontRef idx="minor">
+            <a:schemeClr val="lt1"/>
+          </a:fontRef>
+        </p:style>
+        <p:txBody>
+          <a:bodyPr rtlCol="0" anchor="t" anchorCtr="0"/>
+          <a:lstStyle/>
+          <a:p>
+            <a:r>
+              <a:rPr lang="en-AU" sz="2400" dirty="0">
+                <a:solidFill>
+                  <a:schemeClr val="tx1"/>
+                </a:solidFill>
+              </a:rPr>
+              <a:t>As </a:t>
+            </a:r>
+            <a:r>
+              <a:rPr lang="en-AU" sz="2400" dirty="0" smtClean="0">
+                <a:solidFill>
+                  <a:schemeClr val="tx1"/>
+                </a:solidFill>
+              </a:rPr>
+              <a:t>an </a:t>
+            </a:r>
+            <a:r>
+              <a:rPr lang="en-AU" sz="2400" b="1" dirty="0">
+                <a:solidFill>
+                  <a:schemeClr val="tx1"/>
+                </a:solidFill>
+              </a:rPr>
+              <a:t>a</a:t>
+            </a:r>
+            <a:r>
+              <a:rPr lang="en-AU" sz="2400" b="1" dirty="0" smtClean="0">
+                <a:solidFill>
+                  <a:schemeClr val="tx1"/>
+                </a:solidFill>
+              </a:rPr>
+              <a:t>dministrator</a:t>
+            </a:r>
+            <a:r>
+              <a:rPr lang="en-AU" sz="2400" dirty="0" smtClean="0">
+                <a:solidFill>
+                  <a:schemeClr val="tx1"/>
+                </a:solidFill>
+              </a:rPr>
+              <a:t> </a:t>
+            </a:r>
+            <a:r>
+              <a:rPr lang="en-AU" sz="2400" dirty="0">
+                <a:solidFill>
+                  <a:schemeClr val="tx1"/>
+                </a:solidFill>
+              </a:rPr>
+              <a:t>I want </a:t>
+            </a:r>
+            <a:r>
+              <a:rPr lang="en-AU" sz="2400" b="1" dirty="0" smtClean="0">
+                <a:solidFill>
+                  <a:schemeClr val="tx1"/>
+                </a:solidFill>
+              </a:rPr>
+              <a:t>to set up a SQL database </a:t>
+            </a:r>
+            <a:r>
+              <a:rPr lang="en-AU" sz="2400" dirty="0" smtClean="0">
+                <a:solidFill>
+                  <a:schemeClr val="tx1"/>
+                </a:solidFill>
+              </a:rPr>
+              <a:t>so that </a:t>
+            </a:r>
+            <a:r>
+              <a:rPr lang="en-AU" sz="2400" b="1" dirty="0" smtClean="0">
+                <a:solidFill>
+                  <a:schemeClr val="tx1"/>
+                </a:solidFill>
+              </a:rPr>
+              <a:t>I can store and retrieve relevant data required for our website</a:t>
+            </a:r>
+            <a:r>
+              <a:rPr lang="en-AU" sz="2400" dirty="0" smtClean="0">
+                <a:solidFill>
+                  <a:schemeClr val="tx1"/>
+                </a:solidFill>
+              </a:rPr>
+              <a:t>.</a:t>
+            </a:r>
+            <a:endParaRPr lang="en-AU" sz="2400" dirty="0">
+              <a:solidFill>
+                <a:schemeClr val="tx1"/>
+              </a:solidFill>
+            </a:endParaRPr>
+          </a:p>
+        </p:txBody>
+      </p:sp>
+      <p:sp>
+        <p:nvSpPr>
+          <p:cNvPr id="8" name="Rectangle 7"/>
+          <p:cNvSpPr/>
+          <p:nvPr/>
+        </p:nvSpPr>
+        <p:spPr>
+          <a:xfrm>
+            <a:off x="0" y="3364106"/>
+            <a:ext cx="9828000" cy="1620000"/>
+          </a:xfrm>
+          <a:prstGeom prst="rect">
+            <a:avLst/>
+          </a:prstGeom>
+          <a:solidFill>
+            <a:schemeClr val="accent1">
+              <a:lumMod val="20000"/>
+              <a:lumOff val="80000"/>
+            </a:schemeClr>
+          </a:solidFill>
+          <a:ln>
+            <a:solidFill>
+              <a:schemeClr val="accent1">
+                <a:lumMod val="50000"/>
+              </a:schemeClr>
+            </a:solidFill>
+          </a:ln>
+        </p:spPr>
+        <p:style>
+          <a:lnRef idx="2">
+            <a:schemeClr val="accent1">
+              <a:shade val="50000"/>
+            </a:schemeClr>
+          </a:lnRef>
+          <a:fillRef idx="1">
+            <a:schemeClr val="accent1"/>
+          </a:fillRef>
+          <a:effectRef idx="0">
+            <a:schemeClr val="accent1"/>
+          </a:effectRef>
+          <a:fontRef idx="minor">
+            <a:schemeClr val="lt1"/>
+          </a:fontRef>
+        </p:style>
+        <p:txBody>
+          <a:bodyPr tIns="36000" rtlCol="0" anchor="t" anchorCtr="0"/>
+          <a:lstStyle/>
+          <a:p>
+            <a:r>
+              <a:rPr lang="en-AU" sz="2000" dirty="0">
+                <a:solidFill>
+                  <a:schemeClr val="tx1"/>
+                </a:solidFill>
+              </a:rPr>
+              <a:t>Acceptance </a:t>
+            </a:r>
+            <a:r>
+              <a:rPr lang="en-AU" sz="2000" dirty="0" smtClean="0">
+                <a:solidFill>
+                  <a:schemeClr val="tx1"/>
+                </a:solidFill>
+              </a:rPr>
+              <a:t>Criteria</a:t>
+            </a:r>
+          </a:p>
+          <a:p>
+            <a:pPr marL="342900" indent="-342900">
+              <a:buFont typeface="Arial" charset="0"/>
+              <a:buChar char="•"/>
+            </a:pPr>
+            <a:r>
+              <a:rPr lang="en-AU" sz="2000" dirty="0" smtClean="0">
+                <a:solidFill>
+                  <a:schemeClr val="tx1"/>
+                </a:solidFill>
+              </a:rPr>
+              <a:t>Creation of SQL database</a:t>
+            </a:r>
+          </a:p>
+          <a:p>
+            <a:pPr marL="342900" indent="-342900">
+              <a:buFont typeface="Arial" charset="0"/>
+              <a:buChar char="•"/>
+            </a:pPr>
+            <a:r>
+              <a:rPr lang="en-AU" sz="2000" dirty="0" smtClean="0">
+                <a:solidFill>
+                  <a:schemeClr val="tx1"/>
+                </a:solidFill>
+              </a:rPr>
+              <a:t>Registered user information able to store and retrieve from DB</a:t>
+            </a:r>
+          </a:p>
+          <a:p>
+            <a:pPr marL="342900" indent="-342900">
+              <a:buFont typeface="Arial" charset="0"/>
+              <a:buChar char="•"/>
+            </a:pPr>
+            <a:r>
+              <a:rPr lang="en-AU" sz="2000" dirty="0" smtClean="0">
+                <a:solidFill>
+                  <a:schemeClr val="tx1"/>
+                </a:solidFill>
+              </a:rPr>
+              <a:t>Information provided to users are able to store and retrieve from DB</a:t>
+            </a:r>
+            <a:endParaRPr lang="en-AU" sz="2000" dirty="0">
+              <a:solidFill>
+                <a:schemeClr val="tx1"/>
+              </a:solidFill>
+            </a:endParaRPr>
+          </a:p>
+        </p:txBody>
+      </p:sp>
+      <p:sp>
+        <p:nvSpPr>
+          <p:cNvPr id="11" name="Rectangle 10"/>
+          <p:cNvSpPr/>
+          <p:nvPr/>
+        </p:nvSpPr>
+        <p:spPr>
+          <a:xfrm>
+            <a:off x="9147153" y="109410"/>
+            <a:ext cx="720000" cy="540000"/>
+          </a:xfrm>
+          <a:prstGeom prst="rect">
+            <a:avLst/>
+          </a:prstGeom>
+          <a:solidFill>
+            <a:srgbClr val="CCF0CD">
+              <a:alpha val="20000"/>
+            </a:srgbClr>
+          </a:solidFill>
+          <a:ln>
+            <a:solidFill>
+              <a:schemeClr val="accent1">
+                <a:lumMod val="50000"/>
+              </a:schemeClr>
+            </a:solidFill>
+          </a:ln>
+        </p:spPr>
+        <p:style>
+          <a:lnRef idx="2">
+            <a:schemeClr val="accent1">
+              <a:shade val="50000"/>
+            </a:schemeClr>
+          </a:lnRef>
+          <a:fillRef idx="1">
+            <a:schemeClr val="accent1"/>
+          </a:fillRef>
+          <a:effectRef idx="0">
+            <a:schemeClr val="accent1"/>
+          </a:effectRef>
+          <a:fontRef idx="minor">
+            <a:schemeClr val="lt1"/>
+          </a:fontRef>
+        </p:style>
+        <p:txBody>
+          <a:bodyPr wrap="square" lIns="0" rIns="0" rtlCol="0" anchor="ctr"/>
+          <a:lstStyle/>
+          <a:p>
+            <a:pPr algn="ctr"/>
+            <a:r>
+              <a:rPr lang="en-AU" sz="2000" dirty="0">
+                <a:solidFill>
+                  <a:schemeClr val="tx1"/>
+                </a:solidFill>
+              </a:rPr>
+              <a:t>4</a:t>
+            </a:r>
+          </a:p>
+        </p:txBody>
+      </p:sp>
+      <p:sp>
+        <p:nvSpPr>
+          <p:cNvPr id="12" name="Rectangle 11"/>
+          <p:cNvSpPr/>
+          <p:nvPr/>
+        </p:nvSpPr>
+        <p:spPr>
+          <a:xfrm>
+            <a:off x="8283153" y="109410"/>
+            <a:ext cx="792000" cy="540000"/>
+          </a:xfrm>
+          <a:prstGeom prst="rect">
+            <a:avLst/>
+          </a:prstGeom>
+          <a:solidFill>
+            <a:schemeClr val="accent4">
+              <a:lumMod val="20000"/>
+              <a:lumOff val="80000"/>
+            </a:schemeClr>
+          </a:solidFill>
+          <a:ln>
+            <a:solidFill>
+              <a:schemeClr val="accent1">
+                <a:lumMod val="50000"/>
+              </a:schemeClr>
+            </a:solidFill>
+          </a:ln>
+        </p:spPr>
+        <p:style>
+          <a:lnRef idx="2">
+            <a:schemeClr val="accent1">
+              <a:shade val="50000"/>
+            </a:schemeClr>
+          </a:lnRef>
+          <a:fillRef idx="1">
+            <a:schemeClr val="accent1"/>
+          </a:fillRef>
+          <a:effectRef idx="0">
+            <a:schemeClr val="accent1"/>
+          </a:effectRef>
+          <a:fontRef idx="minor">
+            <a:schemeClr val="lt1"/>
+          </a:fontRef>
+        </p:style>
+        <p:txBody>
+          <a:bodyPr wrap="none" lIns="0" rIns="0" rtlCol="0" anchor="ctr"/>
+          <a:lstStyle/>
+          <a:p>
+            <a:pPr algn="ctr"/>
+            <a:r>
+              <a:rPr lang="en-AU" sz="2000" dirty="0" smtClean="0">
+                <a:solidFill>
+                  <a:schemeClr val="tx1"/>
+                </a:solidFill>
+              </a:rPr>
+              <a:t>Must</a:t>
+            </a:r>
+            <a:endParaRPr lang="en-AU" sz="2000" dirty="0">
+              <a:solidFill>
+                <a:schemeClr val="tx1"/>
+              </a:solidFill>
+            </a:endParaRPr>
+          </a:p>
+        </p:txBody>
+      </p:sp>
+      <p:sp>
+        <p:nvSpPr>
+          <p:cNvPr id="13" name="Rectangle 12"/>
+          <p:cNvSpPr/>
+          <p:nvPr/>
+        </p:nvSpPr>
+        <p:spPr>
+          <a:xfrm>
+            <a:off x="39153" y="5128590"/>
+            <a:ext cx="9828000" cy="1620000"/>
+          </a:xfrm>
+          <a:prstGeom prst="rect">
+            <a:avLst/>
+          </a:prstGeom>
+          <a:solidFill>
+            <a:schemeClr val="bg1"/>
+          </a:solidFill>
+          <a:ln>
+            <a:solidFill>
+              <a:schemeClr val="accent1">
+                <a:lumMod val="50000"/>
+              </a:schemeClr>
+            </a:solidFill>
+          </a:ln>
+        </p:spPr>
+        <p:style>
+          <a:lnRef idx="2">
+            <a:schemeClr val="accent1">
+              <a:shade val="50000"/>
+            </a:schemeClr>
+          </a:lnRef>
+          <a:fillRef idx="1">
+            <a:schemeClr val="accent1"/>
+          </a:fillRef>
+          <a:effectRef idx="0">
+            <a:schemeClr val="accent1"/>
+          </a:effectRef>
+          <a:fontRef idx="minor">
+            <a:schemeClr val="lt1"/>
+          </a:fontRef>
+        </p:style>
+        <p:txBody>
+          <a:bodyPr tIns="36000" rtlCol="0" anchor="t" anchorCtr="0"/>
+          <a:lstStyle/>
+          <a:p>
+            <a:r>
+              <a:rPr lang="en-AU" sz="2000" dirty="0">
+                <a:solidFill>
+                  <a:schemeClr val="tx1"/>
+                </a:solidFill>
+              </a:rPr>
+              <a:t>Notes</a:t>
+            </a:r>
+          </a:p>
+          <a:p>
+            <a:pPr marL="179388" indent="-179388">
+              <a:buFont typeface="Arial" pitchFamily="34" charset="0"/>
+              <a:buChar char="•"/>
+            </a:pPr>
+            <a:r>
+              <a:rPr lang="en-AU" sz="2000" dirty="0" smtClean="0">
+                <a:solidFill>
+                  <a:schemeClr val="tx1"/>
+                </a:solidFill>
+              </a:rPr>
+              <a:t>Time </a:t>
+            </a:r>
+            <a:r>
+              <a:rPr lang="en-AU" sz="2000" dirty="0">
+                <a:solidFill>
+                  <a:schemeClr val="tx1"/>
+                </a:solidFill>
+              </a:rPr>
+              <a:t>to implement 4+ hours</a:t>
+            </a:r>
+          </a:p>
+        </p:txBody>
+      </p:sp>
+    </p:spTree>
+    <p:extLst>
+      <p:ext uri="{BB962C8B-B14F-4D97-AF65-F5344CB8AC3E}">
+        <p14:creationId xmlns:p14="http://schemas.microsoft.com/office/powerpoint/2010/main" val="3959992279"/>
+      </p:ext>
+    </p:extLst>
+  </p:cSld>
+  <p:clrMapOvr>
+    <a:masterClrMapping/>
+  </p:clrMapOvr>
+</p:sld>
+</file>
+
 <file path=ppt/slides/slide5.xml><?xml version="1.0" encoding="utf-8"?>
 <p:sld xmlns:a="http://schemas.openxmlformats.org/drawingml/2006/main" xmlns:r="http://schemas.openxmlformats.org/officeDocument/2006/relationships" xmlns:p="http://schemas.openxmlformats.org/presentationml/2006/main">
   <p:cSld>
@@ -26127,8 +26774,13 @@
                   <a:schemeClr val="tx1"/>
                 </a:solidFill>
               </a:rPr>
-              <a:t>2</a:t>
-            </a:r>
+              <a:t>3</a:t>
+            </a:r>
+            <a:endParaRPr lang="en-AU" sz="2000" dirty="0">
+              <a:solidFill>
+                <a:schemeClr val="tx1"/>
+              </a:solidFill>
+            </a:endParaRPr>
           </a:p>
         </p:txBody>
       </p:sp>
@@ -27038,9 +27690,10 @@
           <a:p>
             <a:pPr algn="ctr"/>
             <a:r>
-              <a:rPr lang="en-AU" sz="2800" dirty="0"/>
-              <a:t>Rating of Colleges</a:t>
-            </a:r>
+              <a:rPr lang="en-AU" sz="2800" dirty="0" smtClean="0"/>
+              <a:t>User Features</a:t>
+            </a:r>
+            <a:endParaRPr lang="en-AU" sz="2800" dirty="0"/>
           </a:p>
         </p:txBody>
       </p:sp>
@@ -27117,12 +27770,20 @@
               <a:t>I want </a:t>
             </a:r>
             <a:r>
+              <a:rPr lang="en-AU" sz="2400" b="1" dirty="0" smtClean="0">
+                <a:solidFill>
+                  <a:schemeClr val="tx1"/>
+                </a:solidFill>
+              </a:rPr>
+              <a:t>ratings and contacts information </a:t>
+            </a:r>
+            <a:r>
               <a:rPr lang="en-AU" sz="2400" b="1" dirty="0">
                 <a:solidFill>
                   <a:schemeClr val="tx1"/>
                 </a:solidFill>
               </a:rPr>
-              <a:t>ratings next to colleges </a:t>
+              <a:t>next to colleges </a:t>
             </a:r>
             <a:r>
               <a:rPr lang="en-AU" sz="2400" dirty="0">
@@ -27138,7 +27799,23 @@
                   <a:schemeClr val="tx1"/>
                 </a:solidFill>
               </a:rPr>
-              <a:t>I can choose the best university in the city</a:t>
+              <a:t>I can choose </a:t>
+            </a:r>
+            <a:r>
+              <a:rPr lang="en-AU" sz="2400" b="1" dirty="0" smtClean="0">
+                <a:solidFill>
+                  <a:schemeClr val="tx1"/>
+                </a:solidFill>
+              </a:rPr>
+              <a:t>and contact the </a:t>
+            </a:r>
+            <a:r>
+              <a:rPr lang="en-AU" sz="2400" b="1" dirty="0">
+                <a:solidFill>
+                  <a:schemeClr val="tx1"/>
+                </a:solidFill>
+              </a:rPr>
+              <a:t>best university in the city</a:t>
             </a:r>
             <a:r>
               <a:rPr lang="en-AU" sz="2400" dirty="0">
@@ -27219,8 +27896,35 @@
                   <a:schemeClr val="tx1"/>
                 </a:solidFill>
               </a:rPr>
-              <a:t> Have the ranking of the college, next to college name</a:t>
-            </a:r>
+              <a:t> Have the ranking of the college, next to college </a:t>
+            </a:r>
+            <a:r>
+              <a:rPr lang="en-AU" sz="2000" dirty="0" smtClean="0">
+                <a:solidFill>
+                  <a:schemeClr val="tx1"/>
+                </a:solidFill>
+              </a:rPr>
+              <a:t>name</a:t>
+            </a:r>
+          </a:p>
+          <a:p>
+            <a:pPr marL="179388" indent="-179388">
+              <a:buFont typeface="Arial" pitchFamily="34" charset="0"/>
+              <a:buChar char="•"/>
+            </a:pPr>
+            <a:r>
+              <a:rPr lang="en-AU" sz="2000" dirty="0" smtClean="0">
+                <a:solidFill>
+                  <a:schemeClr val="tx1"/>
+                </a:solidFill>
+              </a:rPr>
+              <a:t>Contact information provided with selected data</a:t>
+            </a:r>
+            <a:endParaRPr lang="en-AU" sz="2000" dirty="0">
+              <a:solidFill>
+                <a:schemeClr val="tx1"/>
+              </a:solidFill>
+            </a:endParaRPr>
           </a:p>
         </p:txBody>
       </p:sp>
@@ -27278,8 +27982,13 @@
                   <a:schemeClr val="tx1"/>
                 </a:solidFill>
               </a:rPr>
-              <a:t>3</a:t>
-            </a:r>
+              <a:t>4</a:t>
+            </a:r>
+            <a:endParaRPr lang="en-AU" sz="2000" dirty="0">
+              <a:solidFill>
+                <a:schemeClr val="tx1"/>
+              </a:solidFill>
+            </a:endParaRPr>
           </a:p>
         </p:txBody>
       </p:sp>
@@ -27333,13 +28042,18 @@
           <a:p>
             <a:pPr algn="ctr"/>
             <a:r>
-              <a:rPr lang="en-AU" sz="2000" dirty="0">
-                <a:solidFill>
-                  <a:schemeClr val="tx1"/>
-                </a:solidFill>
-              </a:rPr>
-              <a:t>Could</a:t>
-            </a:r>
+              <a:rPr lang="en-AU" sz="2000" dirty="0" smtClean="0">
+                <a:solidFill>
+                  <a:schemeClr val="tx1"/>
+                </a:solidFill>
+              </a:rPr>
+              <a:t>Should</a:t>
+            </a:r>
+            <a:endParaRPr lang="en-AU" sz="2000" dirty="0">
+              <a:solidFill>
+                <a:schemeClr val="tx1"/>
+              </a:solidFill>
+            </a:endParaRPr>
           </a:p>
         </p:txBody>
       </p:sp>

--- a/User_Stories.pptx
+++ b/User_Stories.pptx
@@ -353,7 +353,7 @@
             <a:fld id="{1585DAA5-6BE2-467A-90B2-00E985D86198}" type="datetimeFigureOut">
               <a:rPr lang="en-AU" smtClean="0"/>
               <a:pPr/>
-              <a:t>23/10/2017</a:t>
+              <a:t>23/10/17</a:t>
             </a:fld>
             <a:endParaRPr lang="en-AU"/>
           </a:p>
@@ -520,7 +520,7 @@
             <a:fld id="{1585DAA5-6BE2-467A-90B2-00E985D86198}" type="datetimeFigureOut">
               <a:rPr lang="en-AU" smtClean="0"/>
               <a:pPr/>
-              <a:t>23/10/2017</a:t>
+              <a:t>23/10/17</a:t>
             </a:fld>
             <a:endParaRPr lang="en-AU"/>
           </a:p>
@@ -697,7 +697,7 @@
             <a:fld id="{1585DAA5-6BE2-467A-90B2-00E985D86198}" type="datetimeFigureOut">
               <a:rPr lang="en-AU" smtClean="0"/>
               <a:pPr/>
-              <a:t>23/10/2017</a:t>
+              <a:t>23/10/17</a:t>
             </a:fld>
             <a:endParaRPr lang="en-AU"/>
           </a:p>
@@ -864,7 +864,7 @@
             <a:fld id="{1585DAA5-6BE2-467A-90B2-00E985D86198}" type="datetimeFigureOut">
               <a:rPr lang="en-AU" smtClean="0"/>
               <a:pPr/>
-              <a:t>23/10/2017</a:t>
+              <a:t>23/10/17</a:t>
             </a:fld>
             <a:endParaRPr lang="en-AU"/>
           </a:p>
@@ -1107,7 +1107,7 @@
             <a:fld id="{1585DAA5-6BE2-467A-90B2-00E985D86198}" type="datetimeFigureOut">
               <a:rPr lang="en-AU" smtClean="0"/>
               <a:pPr/>
-              <a:t>23/10/2017</a:t>
+              <a:t>23/10/17</a:t>
             </a:fld>
             <a:endParaRPr lang="en-AU"/>
           </a:p>
@@ -1392,7 +1392,7 @@
             <a:fld id="{1585DAA5-6BE2-467A-90B2-00E985D86198}" type="datetimeFigureOut">
               <a:rPr lang="en-AU" smtClean="0"/>
               <a:pPr/>
-              <a:t>23/10/2017</a:t>
+              <a:t>23/10/17</a:t>
             </a:fld>
             <a:endParaRPr lang="en-AU"/>
           </a:p>
@@ -1811,7 +1811,7 @@
             <a:fld id="{1585DAA5-6BE2-467A-90B2-00E985D86198}" type="datetimeFigureOut">
               <a:rPr lang="en-AU" smtClean="0"/>
               <a:pPr/>
-              <a:t>23/10/2017</a:t>
+              <a:t>23/10/17</a:t>
             </a:fld>
             <a:endParaRPr lang="en-AU"/>
           </a:p>
@@ -1926,7 +1926,7 @@
             <a:fld id="{1585DAA5-6BE2-467A-90B2-00E985D86198}" type="datetimeFigureOut">
               <a:rPr lang="en-AU" smtClean="0"/>
               <a:pPr/>
-              <a:t>23/10/2017</a:t>
+              <a:t>23/10/17</a:t>
             </a:fld>
             <a:endParaRPr lang="en-AU"/>
           </a:p>
@@ -2018,7 +2018,7 @@
             <a:fld id="{1585DAA5-6BE2-467A-90B2-00E985D86198}" type="datetimeFigureOut">
               <a:rPr lang="en-AU" smtClean="0"/>
               <a:pPr/>
-              <a:t>23/10/2017</a:t>
+              <a:t>23/10/17</a:t>
             </a:fld>
             <a:endParaRPr lang="en-AU"/>
           </a:p>
@@ -2292,7 +2292,7 @@
             <a:fld id="{1585DAA5-6BE2-467A-90B2-00E985D86198}" type="datetimeFigureOut">
               <a:rPr lang="en-AU" smtClean="0"/>
               <a:pPr/>
-              <a:t>23/10/2017</a:t>
+              <a:t>23/10/17</a:t>
             </a:fld>
             <a:endParaRPr lang="en-AU"/>
           </a:p>
@@ -2542,7 +2542,7 @@
             <a:fld id="{1585DAA5-6BE2-467A-90B2-00E985D86198}" type="datetimeFigureOut">
               <a:rPr lang="en-AU" smtClean="0"/>
               <a:pPr/>
-              <a:t>23/10/2017</a:t>
+              <a:t>23/10/17</a:t>
             </a:fld>
             <a:endParaRPr lang="en-AU"/>
           </a:p>
@@ -2752,7 +2752,7 @@
             <a:fld id="{1585DAA5-6BE2-467A-90B2-00E985D86198}" type="datetimeFigureOut">
               <a:rPr lang="en-AU" smtClean="0"/>
               <a:pPr/>
-              <a:t>23/10/2017</a:t>
+              <a:t>23/10/17</a:t>
             </a:fld>
             <a:endParaRPr lang="en-AU"/>
           </a:p>
@@ -3687,11 +3687,6 @@
               </a:rPr>
               <a:t>3</a:t>
             </a:r>
-            <a:endParaRPr lang="en-AU" sz="2000" dirty="0">
-              <a:solidFill>
-                <a:schemeClr val="tx1"/>
-              </a:solidFill>
-            </a:endParaRPr>
           </a:p>
         </p:txBody>
       </p:sp>
@@ -7637,11 +7632,6 @@
               </a:rPr>
               <a:t>3</a:t>
             </a:r>
-            <a:endParaRPr lang="en-AU" sz="2000" dirty="0">
-              <a:solidFill>
-                <a:schemeClr val="tx1"/>
-              </a:solidFill>
-            </a:endParaRPr>
           </a:p>
         </p:txBody>
       </p:sp>
@@ -8804,11 +8794,6 @@
               </a:rPr>
               <a:t>2</a:t>
             </a:r>
-            <a:endParaRPr lang="en-AU" sz="2000" dirty="0">
-              <a:solidFill>
-                <a:schemeClr val="tx1"/>
-              </a:solidFill>
-            </a:endParaRPr>
           </a:p>
         </p:txBody>
       </p:sp>
@@ -11627,11 +11612,6 @@
               </a:rPr>
               <a:t>3</a:t>
             </a:r>
-            <a:endParaRPr lang="en-AU" sz="2000" dirty="0">
-              <a:solidFill>
-                <a:schemeClr val="tx1"/>
-              </a:solidFill>
-            </a:endParaRPr>
           </a:p>
         </p:txBody>
       </p:sp>
@@ -13023,8 +13003,13 @@
             <a:pPr algn="ctr"/>
             <a:r>
               <a:rPr lang="en-AU" sz="2800" dirty="0"/>
-              <a:t>City Information rating access</a:t>
-            </a:r>
+              <a:t>City </a:t>
+            </a:r>
+            <a:r>
+              <a:rPr lang="en-AU" sz="2800" dirty="0" smtClean="0"/>
+              <a:t>Information</a:t>
+            </a:r>
+            <a:endParaRPr lang="en-AU" sz="2800" dirty="0"/>
           </a:p>
         </p:txBody>
       </p:sp>
@@ -16338,11 +16323,6 @@
               </a:rPr>
               <a:t>3</a:t>
             </a:r>
-            <a:endParaRPr lang="en-AU" sz="2000" dirty="0">
-              <a:solidFill>
-                <a:schemeClr val="tx1"/>
-              </a:solidFill>
-            </a:endParaRPr>
           </a:p>
         </p:txBody>
       </p:sp>
@@ -17123,7 +17103,23 @@
                   <a:schemeClr val="tx1"/>
                 </a:solidFill>
               </a:rPr>
-              <a:t>Story ID: 31</a:t>
+              <a:t>Story </a:t>
+            </a:r>
+            <a:r>
+              <a:rPr lang="en-AU" sz="2000" dirty="0" smtClean="0">
+                <a:solidFill>
+                  <a:schemeClr val="tx1"/>
+                </a:solidFill>
+              </a:rPr>
+              <a:t>ID </a:t>
+            </a:r>
+            <a:r>
+              <a:rPr lang="en-AU" sz="2000" dirty="0">
+                <a:solidFill>
+                  <a:schemeClr val="tx1"/>
+                </a:solidFill>
+              </a:rPr>
+              <a:t>31</a:t>
             </a:r>
           </a:p>
         </p:txBody>
@@ -17414,11 +17410,6 @@
               </a:rPr>
               <a:t>4</a:t>
             </a:r>
-            <a:endParaRPr lang="en-AU" sz="2000" dirty="0">
-              <a:solidFill>
-                <a:schemeClr val="tx1"/>
-              </a:solidFill>
-            </a:endParaRPr>
           </a:p>
         </p:txBody>
       </p:sp>
@@ -20082,11 +20073,6 @@
               </a:rPr>
               <a:t>4</a:t>
             </a:r>
-            <a:endParaRPr lang="en-AU" sz="2000" dirty="0">
-              <a:solidFill>
-                <a:schemeClr val="tx1"/>
-              </a:solidFill>
-            </a:endParaRPr>
           </a:p>
         </p:txBody>
       </p:sp>
@@ -26776,11 +26762,6 @@
               </a:rPr>
               <a:t>3</a:t>
             </a:r>
-            <a:endParaRPr lang="en-AU" sz="2000" dirty="0">
-              <a:solidFill>
-                <a:schemeClr val="tx1"/>
-              </a:solidFill>
-            </a:endParaRPr>
           </a:p>
         </p:txBody>
       </p:sp>
@@ -27984,11 +27965,6 @@
               </a:rPr>
               <a:t>4</a:t>
             </a:r>
-            <a:endParaRPr lang="en-AU" sz="2000" dirty="0">
-              <a:solidFill>
-                <a:schemeClr val="tx1"/>
-              </a:solidFill>
-            </a:endParaRPr>
           </a:p>
         </p:txBody>
       </p:sp>
